--- a/docs/Miscellaneous/How to write testable code and tests.pptx
+++ b/docs/Miscellaneous/How to write testable code and tests.pptx
@@ -265,7 +265,7 @@
           <a:p>
             <a:fld id="{8A746F6F-1C82-4FE9-AE09-BD45A58FF446}" type="datetimeFigureOut">
               <a:rPr lang="en-US" smtClean="0"/>
-              <a:t>5/23/2023</a:t>
+              <a:t>5/26/2023</a:t>
             </a:fld>
             <a:endParaRPr lang="en-US"/>
           </a:p>
@@ -463,7 +463,7 @@
           <a:p>
             <a:fld id="{8A746F6F-1C82-4FE9-AE09-BD45A58FF446}" type="datetimeFigureOut">
               <a:rPr lang="en-US" smtClean="0"/>
-              <a:t>5/23/2023</a:t>
+              <a:t>5/26/2023</a:t>
             </a:fld>
             <a:endParaRPr lang="en-US"/>
           </a:p>
@@ -671,7 +671,7 @@
           <a:p>
             <a:fld id="{8A746F6F-1C82-4FE9-AE09-BD45A58FF446}" type="datetimeFigureOut">
               <a:rPr lang="en-US" smtClean="0"/>
-              <a:t>5/23/2023</a:t>
+              <a:t>5/26/2023</a:t>
             </a:fld>
             <a:endParaRPr lang="en-US"/>
           </a:p>
@@ -869,7 +869,7 @@
           <a:p>
             <a:fld id="{8A746F6F-1C82-4FE9-AE09-BD45A58FF446}" type="datetimeFigureOut">
               <a:rPr lang="en-US" smtClean="0"/>
-              <a:t>5/23/2023</a:t>
+              <a:t>5/26/2023</a:t>
             </a:fld>
             <a:endParaRPr lang="en-US"/>
           </a:p>
@@ -1144,7 +1144,7 @@
           <a:p>
             <a:fld id="{8A746F6F-1C82-4FE9-AE09-BD45A58FF446}" type="datetimeFigureOut">
               <a:rPr lang="en-US" smtClean="0"/>
-              <a:t>5/23/2023</a:t>
+              <a:t>5/26/2023</a:t>
             </a:fld>
             <a:endParaRPr lang="en-US"/>
           </a:p>
@@ -1409,7 +1409,7 @@
           <a:p>
             <a:fld id="{8A746F6F-1C82-4FE9-AE09-BD45A58FF446}" type="datetimeFigureOut">
               <a:rPr lang="en-US" smtClean="0"/>
-              <a:t>5/23/2023</a:t>
+              <a:t>5/26/2023</a:t>
             </a:fld>
             <a:endParaRPr lang="en-US"/>
           </a:p>
@@ -1821,7 +1821,7 @@
           <a:p>
             <a:fld id="{8A746F6F-1C82-4FE9-AE09-BD45A58FF446}" type="datetimeFigureOut">
               <a:rPr lang="en-US" smtClean="0"/>
-              <a:t>5/23/2023</a:t>
+              <a:t>5/26/2023</a:t>
             </a:fld>
             <a:endParaRPr lang="en-US"/>
           </a:p>
@@ -1962,7 +1962,7 @@
           <a:p>
             <a:fld id="{8A746F6F-1C82-4FE9-AE09-BD45A58FF446}" type="datetimeFigureOut">
               <a:rPr lang="en-US" smtClean="0"/>
-              <a:t>5/23/2023</a:t>
+              <a:t>5/26/2023</a:t>
             </a:fld>
             <a:endParaRPr lang="en-US"/>
           </a:p>
@@ -2075,7 +2075,7 @@
           <a:p>
             <a:fld id="{8A746F6F-1C82-4FE9-AE09-BD45A58FF446}" type="datetimeFigureOut">
               <a:rPr lang="en-US" smtClean="0"/>
-              <a:t>5/23/2023</a:t>
+              <a:t>5/26/2023</a:t>
             </a:fld>
             <a:endParaRPr lang="en-US"/>
           </a:p>
@@ -2386,7 +2386,7 @@
           <a:p>
             <a:fld id="{8A746F6F-1C82-4FE9-AE09-BD45A58FF446}" type="datetimeFigureOut">
               <a:rPr lang="en-US" smtClean="0"/>
-              <a:t>5/23/2023</a:t>
+              <a:t>5/26/2023</a:t>
             </a:fld>
             <a:endParaRPr lang="en-US"/>
           </a:p>
@@ -2674,7 +2674,7 @@
           <a:p>
             <a:fld id="{8A746F6F-1C82-4FE9-AE09-BD45A58FF446}" type="datetimeFigureOut">
               <a:rPr lang="en-US" smtClean="0"/>
-              <a:t>5/23/2023</a:t>
+              <a:t>5/26/2023</a:t>
             </a:fld>
             <a:endParaRPr lang="en-US"/>
           </a:p>
@@ -2915,7 +2915,7 @@
           <a:p>
             <a:fld id="{8A746F6F-1C82-4FE9-AE09-BD45A58FF446}" type="datetimeFigureOut">
               <a:rPr lang="en-US" smtClean="0"/>
-              <a:t>5/23/2023</a:t>
+              <a:t>5/26/2023</a:t>
             </a:fld>
             <a:endParaRPr lang="en-US"/>
           </a:p>
@@ -3386,6 +3386,16 @@
               <a:t>How to write “testable” code and tests</a:t>
             </a:r>
           </a:p>
+          <a:p>
+            <a:endParaRPr lang="en-US" dirty="0"/>
+          </a:p>
+          <a:p>
+            <a:r>
+              <a:rPr lang="en-US"/>
+              <a:t>May 23, 2023</a:t>
+            </a:r>
+            <a:endParaRPr lang="en-US" dirty="0"/>
+          </a:p>
         </p:txBody>
       </p:sp>
     </p:spTree>
